--- a/presentations/thesis-nlp-dockerlint-presentation-20260123.pptx
+++ b/presentations/thesis-nlp-dockerlint-presentation-20260123.pptx
@@ -231,7 +231,7 @@
           <a:p>
             <a:fld id="{8D912B51-1BBE-4740-916F-8C659B452C50}" type="datetimeFigureOut">
               <a:rPr lang="en-US" smtClean="0"/>
-              <a:t>1/23/26</a:t>
+              <a:t>1/24/26</a:t>
             </a:fld>
             <a:endParaRPr lang="en-US"/>
           </a:p>
@@ -2231,7 +2231,7 @@
           <a:p>
             <a:fld id="{F1943813-FEA2-42F6-9480-97D6D1553758}" type="datetime1">
               <a:rPr lang="en-US" smtClean="0"/>
-              <a:t>1/23/26</a:t>
+              <a:t>1/24/26</a:t>
             </a:fld>
             <a:endParaRPr lang="en-US"/>
           </a:p>
@@ -2399,7 +2399,7 @@
           <a:p>
             <a:fld id="{86CB5899-D66E-450D-B498-474F1836B93C}" type="datetime1">
               <a:rPr lang="en-US" smtClean="0"/>
-              <a:t>1/23/26</a:t>
+              <a:t>1/24/26</a:t>
             </a:fld>
             <a:endParaRPr lang="en-US"/>
           </a:p>
@@ -2577,7 +2577,7 @@
           <a:p>
             <a:fld id="{F25729D5-E30D-4474-9225-3E79467B42A7}" type="datetime1">
               <a:rPr lang="en-US" smtClean="0"/>
-              <a:t>1/23/26</a:t>
+              <a:t>1/24/26</a:t>
             </a:fld>
             <a:endParaRPr lang="en-US"/>
           </a:p>
@@ -2745,7 +2745,7 @@
           <a:p>
             <a:fld id="{E20BB741-4786-40F0-B291-DF879061B863}" type="datetime1">
               <a:rPr lang="en-US" smtClean="0"/>
-              <a:t>1/23/26</a:t>
+              <a:t>1/24/26</a:t>
             </a:fld>
             <a:endParaRPr lang="en-US"/>
           </a:p>
@@ -2990,7 +2990,7 @@
           <a:p>
             <a:fld id="{4E007C2A-953A-4930-897A-083C625CCBF5}" type="datetime1">
               <a:rPr lang="en-US" smtClean="0"/>
-              <a:t>1/23/26</a:t>
+              <a:t>1/24/26</a:t>
             </a:fld>
             <a:endParaRPr lang="en-US"/>
           </a:p>
@@ -3219,7 +3219,7 @@
           <a:p>
             <a:fld id="{03A17A9A-E8B0-4AC4-A041-3570860C4141}" type="datetime1">
               <a:rPr lang="en-US" smtClean="0"/>
-              <a:t>1/23/26</a:t>
+              <a:t>1/24/26</a:t>
             </a:fld>
             <a:endParaRPr lang="en-US"/>
           </a:p>
@@ -3583,7 +3583,7 @@
           <a:p>
             <a:fld id="{05A47BD2-6660-4B44-93F6-4ED7B9FE4617}" type="datetime1">
               <a:rPr lang="en-US" smtClean="0"/>
-              <a:t>1/23/26</a:t>
+              <a:t>1/24/26</a:t>
             </a:fld>
             <a:endParaRPr lang="en-US"/>
           </a:p>
@@ -3700,7 +3700,7 @@
           <a:p>
             <a:fld id="{5BF6FE6F-55C6-4D82-8F14-65F1D3A42F48}" type="datetime1">
               <a:rPr lang="en-US" smtClean="0"/>
-              <a:t>1/23/26</a:t>
+              <a:t>1/24/26</a:t>
             </a:fld>
             <a:endParaRPr lang="en-US"/>
           </a:p>
@@ -3795,7 +3795,7 @@
           <a:p>
             <a:fld id="{E8F42C08-EB8A-4AAD-8191-B20CCB1CAFE0}" type="datetime1">
               <a:rPr lang="en-US" smtClean="0"/>
-              <a:t>1/23/26</a:t>
+              <a:t>1/24/26</a:t>
             </a:fld>
             <a:endParaRPr lang="en-US"/>
           </a:p>
@@ -4070,7 +4070,7 @@
           <a:p>
             <a:fld id="{55AACD24-ACE9-4223-9171-AECE615FB3C3}" type="datetime1">
               <a:rPr lang="en-US" smtClean="0"/>
-              <a:t>1/23/26</a:t>
+              <a:t>1/24/26</a:t>
             </a:fld>
             <a:endParaRPr lang="en-US"/>
           </a:p>
@@ -4322,7 +4322,7 @@
           <a:p>
             <a:fld id="{37A79FA2-1D8B-4708-92E1-BA6164E68805}" type="datetime1">
               <a:rPr lang="en-US" smtClean="0"/>
-              <a:t>1/23/26</a:t>
+              <a:t>1/24/26</a:t>
             </a:fld>
             <a:endParaRPr lang="en-US"/>
           </a:p>
@@ -4533,7 +4533,7 @@
           <a:p>
             <a:fld id="{ADD8F7D7-7AD1-4749-8460-879CB9012590}" type="datetime1">
               <a:rPr lang="en-US" smtClean="0"/>
-              <a:t>1/23/26</a:t>
+              <a:t>1/24/26</a:t>
             </a:fld>
             <a:endParaRPr lang="en-US"/>
           </a:p>
@@ -5034,7 +5034,7 @@
                 <a:latin typeface="Times New Roman" panose="02020603050405020304" pitchFamily="18" charset="0"/>
                 <a:cs typeface="Times New Roman" panose="02020603050405020304" pitchFamily="18" charset="0"/>
               </a:rPr>
-              <a:t>(MIT Thesis Viva Voice Examination)</a:t>
+              <a:t>(MIT Thesis Viva Voce Examination)</a:t>
             </a:r>
           </a:p>
           <a:p>
